--- a/Day8-NaturalLanguage/Ch10-Ecosystem.pptx
+++ b/Day8-NaturalLanguage/Ch10-Ecosystem.pptx
@@ -6780,7 +6780,13 @@
               <a:rPr lang="en-US" sz="3600" dirty="0">
                 <a:effectLst/>
               </a:rPr>
-              <a:t>Chapter 10: </a:t>
+              <a:t>Chapter </a:t>
+            </a:r>
+            <a:r>
+              <a:rPr lang="en-US" sz="3600">
+                <a:effectLst/>
+              </a:rPr>
+              <a:t>10:</a:t>
             </a:r>
             <a:br>
               <a:rPr lang="en-US" sz="3600" dirty="0">
@@ -9012,18 +9018,18 @@
 </file>
 
 <file path=customXml/item1.xml><?xml version="1.0" encoding="utf-8"?>
-<p:properties xmlns:p="http://schemas.microsoft.com/office/2006/metadata/properties" xmlns:xsi="http://www.w3.org/2001/XMLSchema-instance" xmlns:pc="http://schemas.microsoft.com/office/infopath/2007/PartnerControls">
-  <documentManagement/>
-</p:properties>
-</file>
-
-<file path=customXml/item2.xml><?xml version="1.0" encoding="utf-8"?>
 <?mso-contentType ?>
 <FormTemplates xmlns="http://schemas.microsoft.com/sharepoint/v3/contenttype/forms">
   <Display>DocumentLibraryForm</Display>
   <Edit>DocumentLibraryForm</Edit>
   <New>DocumentLibraryForm</New>
 </FormTemplates>
+</file>
+
+<file path=customXml/item2.xml><?xml version="1.0" encoding="utf-8"?>
+<p:properties xmlns:p="http://schemas.microsoft.com/office/2006/metadata/properties" xmlns:xsi="http://www.w3.org/2001/XMLSchema-instance" xmlns:pc="http://schemas.microsoft.com/office/infopath/2007/PartnerControls">
+  <documentManagement/>
+</p:properties>
 </file>
 
 <file path=customXml/item3.xml><?xml version="1.0" encoding="utf-8"?>
@@ -9179,6 +9185,14 @@
 </file>
 
 <file path=customXml/itemProps1.xml><?xml version="1.0" encoding="utf-8"?>
+<ds:datastoreItem xmlns:ds="http://schemas.openxmlformats.org/officeDocument/2006/customXml" ds:itemID="{2DA015F3-603C-4688-A5F3-81D587DAB8C9}">
+  <ds:schemaRefs>
+    <ds:schemaRef ds:uri="http://schemas.microsoft.com/sharepoint/v3/contenttype/forms"/>
+  </ds:schemaRefs>
+</ds:datastoreItem>
+</file>
+
+<file path=customXml/itemProps2.xml><?xml version="1.0" encoding="utf-8"?>
 <ds:datastoreItem xmlns:ds="http://schemas.openxmlformats.org/officeDocument/2006/customXml" ds:itemID="{F47B9207-CE5C-49AD-B414-15CBFA246D65}">
   <ds:schemaRefs>
     <ds:schemaRef ds:uri="http://purl.org/dc/terms/"/>
@@ -9190,14 +9204,6 @@
     <ds:schemaRef ds:uri="http://schemas.openxmlformats.org/package/2006/metadata/core-properties"/>
     <ds:schemaRef ds:uri="http://www.w3.org/XML/1998/namespace"/>
     <ds:schemaRef ds:uri="http://purl.org/dc/dcmitype/"/>
-  </ds:schemaRefs>
-</ds:datastoreItem>
-</file>
-
-<file path=customXml/itemProps2.xml><?xml version="1.0" encoding="utf-8"?>
-<ds:datastoreItem xmlns:ds="http://schemas.openxmlformats.org/officeDocument/2006/customXml" ds:itemID="{2DA015F3-603C-4688-A5F3-81D587DAB8C9}">
-  <ds:schemaRefs>
-    <ds:schemaRef ds:uri="http://schemas.microsoft.com/sharepoint/v3/contenttype/forms"/>
   </ds:schemaRefs>
 </ds:datastoreItem>
 </file>

--- a/Day8-NaturalLanguage/Ch10-Ecosystem.pptx
+++ b/Day8-NaturalLanguage/Ch10-Ecosystem.pptx
@@ -333,7 +333,7 @@
                 <a:ea typeface="Tahoma" pitchFamily="34" charset="0"/>
                 <a:cs typeface="Tahoma" pitchFamily="34" charset="0"/>
               </a:rPr>
-              <a:t>Chapter 11</a:t>
+              <a:t>Chapter 10</a:t>
             </a:r>
           </a:p>
         </p:txBody>
@@ -723,7 +723,7 @@
                 </a:solidFill>
                 <a:latin typeface="Tahoma" pitchFamily="34" charset="0"/>
               </a:rPr>
-              <a:t>Chapter 11-</a:t>
+              <a:t>Chapter 10-</a:t>
             </a:r>
             <a:fld id="{9C58707A-6F60-4D20-8A8B-4F90B88EA4F7}" type="slidenum">
               <a:rPr lang="en-US" sz="1200" smtClean="0">
@@ -5941,7 +5941,7 @@
                 </a:solidFill>
                 <a:latin typeface="Tahoma" charset="0"/>
               </a:rPr>
-              <a:t>© 2019</a:t>
+              <a:t>© 2020</a:t>
             </a:r>
             <a:r>
               <a:rPr lang="en-US" sz="700" b="0" baseline="0" dirty="0">
@@ -6780,13 +6780,7 @@
               <a:rPr lang="en-US" sz="3600" dirty="0">
                 <a:effectLst/>
               </a:rPr>
-              <a:t>Chapter </a:t>
-            </a:r>
-            <a:r>
-              <a:rPr lang="en-US" sz="3600">
-                <a:effectLst/>
-              </a:rPr>
-              <a:t>10:</a:t>
+              <a:t>Chapter 10:</a:t>
             </a:r>
             <a:br>
               <a:rPr lang="en-US" sz="3600" dirty="0">
@@ -6880,7 +6874,7 @@
           <a:p>
             <a:r>
               <a:rPr lang="en-US" dirty="0"/>
-              <a:t>Look at other products in the Big Data space</a:t>
+              <a:t>Look at other products in the big data space</a:t>
             </a:r>
           </a:p>
           <a:p>
@@ -7011,7 +7005,7 @@
           <a:p>
             <a:r>
               <a:rPr lang="en-US" sz="1700" dirty="0"/>
-              <a:t>Big Data started with Hadoop</a:t>
+              <a:t>Big data started with Hadoop</a:t>
             </a:r>
           </a:p>
           <a:p>
@@ -7718,7 +7712,7 @@
           <a:p>
             <a:r>
               <a:rPr lang="en-US" dirty="0"/>
-              <a:t>Looked at other products in the Big Data space</a:t>
+              <a:t>Looked at other products in the big data space</a:t>
             </a:r>
           </a:p>
           <a:p>
@@ -9027,12 +9021,6 @@
 </file>
 
 <file path=customXml/item2.xml><?xml version="1.0" encoding="utf-8"?>
-<p:properties xmlns:p="http://schemas.microsoft.com/office/2006/metadata/properties" xmlns:xsi="http://www.w3.org/2001/XMLSchema-instance" xmlns:pc="http://schemas.microsoft.com/office/infopath/2007/PartnerControls">
-  <documentManagement/>
-</p:properties>
-</file>
-
-<file path=customXml/item3.xml><?xml version="1.0" encoding="utf-8"?>
 <ct:contentTypeSchema xmlns:ct="http://schemas.microsoft.com/office/2006/metadata/contentType" xmlns:ma="http://schemas.microsoft.com/office/2006/metadata/properties/metaAttributes" ct:_="" ma:_="" ma:contentTypeName="Document" ma:contentTypeID="0x0101004C58D7A746750E48B9E257CBBD401C71" ma:contentTypeVersion="5" ma:contentTypeDescription="Create a new document." ma:contentTypeScope="" ma:versionID="9b104746e7bcdc89d5c9d8909bc79033">
   <xsd:schema xmlns:xsd="http://www.w3.org/2001/XMLSchema" xmlns:xs="http://www.w3.org/2001/XMLSchema" xmlns:p="http://schemas.microsoft.com/office/2006/metadata/properties" xmlns:ns2="3f1ded34-099e-46dd-b0de-95a90e7e1e5f" targetNamespace="http://schemas.microsoft.com/office/2006/metadata/properties" ma:root="true" ma:fieldsID="39039af933a2d9dca5a96354c4c2b0ed" ns2:_="">
     <xsd:import namespace="3f1ded34-099e-46dd-b0de-95a90e7e1e5f"/>
@@ -9184,6 +9172,12 @@
 </ct:contentTypeSchema>
 </file>
 
+<file path=customXml/item3.xml><?xml version="1.0" encoding="utf-8"?>
+<p:properties xmlns:p="http://schemas.microsoft.com/office/2006/metadata/properties" xmlns:xsi="http://www.w3.org/2001/XMLSchema-instance" xmlns:pc="http://schemas.microsoft.com/office/infopath/2007/PartnerControls">
+  <documentManagement/>
+</p:properties>
+</file>
+
 <file path=customXml/itemProps1.xml><?xml version="1.0" encoding="utf-8"?>
 <ds:datastoreItem xmlns:ds="http://schemas.openxmlformats.org/officeDocument/2006/customXml" ds:itemID="{2DA015F3-603C-4688-A5F3-81D587DAB8C9}">
   <ds:schemaRefs>
@@ -9193,22 +9187,6 @@
 </file>
 
 <file path=customXml/itemProps2.xml><?xml version="1.0" encoding="utf-8"?>
-<ds:datastoreItem xmlns:ds="http://schemas.openxmlformats.org/officeDocument/2006/customXml" ds:itemID="{F47B9207-CE5C-49AD-B414-15CBFA246D65}">
-  <ds:schemaRefs>
-    <ds:schemaRef ds:uri="http://purl.org/dc/terms/"/>
-    <ds:schemaRef ds:uri="3f1ded34-099e-46dd-b0de-95a90e7e1e5f"/>
-    <ds:schemaRef ds:uri="http://schemas.microsoft.com/office/2006/documentManagement/types"/>
-    <ds:schemaRef ds:uri="http://schemas.microsoft.com/office/infopath/2007/PartnerControls"/>
-    <ds:schemaRef ds:uri="http://purl.org/dc/elements/1.1/"/>
-    <ds:schemaRef ds:uri="http://schemas.microsoft.com/office/2006/metadata/properties"/>
-    <ds:schemaRef ds:uri="http://schemas.openxmlformats.org/package/2006/metadata/core-properties"/>
-    <ds:schemaRef ds:uri="http://www.w3.org/XML/1998/namespace"/>
-    <ds:schemaRef ds:uri="http://purl.org/dc/dcmitype/"/>
-  </ds:schemaRefs>
-</ds:datastoreItem>
-</file>
-
-<file path=customXml/itemProps3.xml><?xml version="1.0" encoding="utf-8"?>
 <ds:datastoreItem xmlns:ds="http://schemas.openxmlformats.org/officeDocument/2006/customXml" ds:itemID="{6751EBC6-C433-43E6-8F46-C6D6D677BF51}">
   <ds:schemaRefs>
     <ds:schemaRef ds:uri="http://schemas.microsoft.com/office/2006/metadata/contentType"/>
@@ -9224,4 +9202,20 @@
     <ds:schemaRef ds:uri="http://schemas.microsoft.com/internal/obd"/>
   </ds:schemaRefs>
 </ds:datastoreItem>
+</file>
+
+<file path=customXml/itemProps3.xml><?xml version="1.0" encoding="utf-8"?>
+<ds:datastoreItem xmlns:ds="http://schemas.openxmlformats.org/officeDocument/2006/customXml" ds:itemID="{F47B9207-CE5C-49AD-B414-15CBFA246D65}">
+  <ds:schemaRefs>
+    <ds:schemaRef ds:uri="http://purl.org/dc/terms/"/>
+    <ds:schemaRef ds:uri="3f1ded34-099e-46dd-b0de-95a90e7e1e5f"/>
+    <ds:schemaRef ds:uri="http://schemas.microsoft.com/office/2006/documentManagement/types"/>
+    <ds:schemaRef ds:uri="http://schemas.microsoft.com/office/infopath/2007/PartnerControls"/>
+    <ds:schemaRef ds:uri="http://purl.org/dc/elements/1.1/"/>
+    <ds:schemaRef ds:uri="http://schemas.microsoft.com/office/2006/metadata/properties"/>
+    <ds:schemaRef ds:uri="http://schemas.openxmlformats.org/package/2006/metadata/core-properties"/>
+    <ds:schemaRef ds:uri="http://www.w3.org/XML/1998/namespace"/>
+    <ds:schemaRef ds:uri="http://purl.org/dc/dcmitype/"/>
+  </ds:schemaRefs>
+</ds:datastoreItem>
 </file>